--- a/6) arduino - массивы и пьезоэлемент.pptx
+++ b/6) arduino - массивы и пьезоэлемент.pptx
@@ -116,6 +116,34 @@
     </p:ext>
   </p:extLst>
 </p:presentation>
+</file>
+
+<file path=ppt/authors.xml><?xml version="1.0" encoding="utf-8"?>
+<p188:authorLst xmlns:a="http://schemas.openxmlformats.org/drawingml/2006/main" xmlns:r="http://schemas.openxmlformats.org/officeDocument/2006/relationships" xmlns:p188="http://schemas.microsoft.com/office/powerpoint/2018/8/main">
+  <p188:author id="{A9FDC4C6-9C87-B40C-D485-C16A732CD3EC}" name="Шарафетдинов Дамир Ринатович" initials="ШДР" userId="Шарафетдинов Дамир Ринатович" providerId="None"/>
+</p188:authorLst>
+</file>
+
+<file path=ppt/comments/modernComment_112_CB6D7DD7.xml><?xml version="1.0" encoding="utf-8"?>
+<p188:cmLst xmlns:a="http://schemas.openxmlformats.org/drawingml/2006/main" xmlns:r="http://schemas.openxmlformats.org/officeDocument/2006/relationships" xmlns:p188="http://schemas.microsoft.com/office/powerpoint/2018/8/main">
+  <p188:cm id="{35264FC6-4EF0-465F-B3AB-36A9037A9F81}" authorId="{A9FDC4C6-9C87-B40C-D485-C16A732CD3EC}" created="2022-10-15T10:41:41.896">
+    <ac:deMkLst xmlns:ac="http://schemas.microsoft.com/office/drawing/2013/main/command">
+      <pc:docMk xmlns:pc="http://schemas.microsoft.com/office/powerpoint/2013/main/command"/>
+      <pc:sldMk xmlns:pc="http://schemas.microsoft.com/office/powerpoint/2013/main/command" cId="3412950487" sldId="274"/>
+      <ac:picMk id="1026" creationId="{FE16D04D-C103-F02C-A86B-319798423747}"/>
+    </ac:deMkLst>
+    <p188:txBody>
+      <a:bodyPr/>
+      <a:lstStyle/>
+      <a:p>
+        <a:r>
+          <a:rPr lang="ru-RU"/>
+          <a:t>Дать этим долбоебам 2 мизинчиковые батарейки, провода папа-мама и светодиод, чтоб они без ардуино это сделали</a:t>
+        </a:r>
+      </a:p>
+    </p188:txBody>
+  </p188:cm>
+</p188:cmLst>
 </file>
 
 <file path=ppt/slideLayouts/slideLayout1.xml><?xml version="1.0" encoding="utf-8"?>
@@ -6037,35 +6065,62 @@
           <a:bodyPr/>
           <a:lstStyle/>
           <a:p>
-            <a:endParaRPr lang="ru-RU"/>
-          </a:p>
-        </p:txBody>
-      </p:sp>
-      <p:sp>
-        <p:nvSpPr>
-          <p:cNvPr id="3" name="Объект 2">
+            <a:r>
+              <a:rPr lang="ru-RU" dirty="0"/>
+              <a:t>Передайте свое имя с помощью азбуки Морзе и светодиода</a:t>
+            </a:r>
+          </a:p>
+        </p:txBody>
+      </p:sp>
+      <p:pic>
+        <p:nvPicPr>
+          <p:cNvPr id="1026" name="Picture 2" descr="Азбука Морзе. | Азбука морзе, Азбука, Алфавит">
             <a:extLst>
               <a:ext uri="{FF2B5EF4-FFF2-40B4-BE49-F238E27FC236}">
-                <a16:creationId xmlns:a16="http://schemas.microsoft.com/office/drawing/2014/main" id="{C44D35C6-A063-99B1-2D31-960E0FB086AD}"/>
+                <a16:creationId xmlns:a16="http://schemas.microsoft.com/office/drawing/2014/main" id="{FE16D04D-C103-F02C-A86B-319798423747}"/>
               </a:ext>
             </a:extLst>
           </p:cNvPr>
-          <p:cNvSpPr>
-            <a:spLocks noGrp="1"/>
-          </p:cNvSpPr>
+          <p:cNvPicPr>
+            <a:picLocks noGrp="1" noChangeAspect="1" noChangeArrowheads="1"/>
+          </p:cNvPicPr>
           <p:nvPr>
             <p:ph idx="1"/>
           </p:nvPr>
-        </p:nvSpPr>
-        <p:spPr/>
-        <p:txBody>
-          <a:bodyPr/>
-          <a:lstStyle/>
-          <a:p>
-            <a:endParaRPr lang="ru-RU"/>
-          </a:p>
-        </p:txBody>
-      </p:sp>
+        </p:nvPicPr>
+        <p:blipFill>
+          <a:blip r:embed="rId3">
+            <a:extLst>
+              <a:ext uri="{28A0092B-C50C-407E-A947-70E740481C1C}">
+                <a14:useLocalDpi xmlns:a14="http://schemas.microsoft.com/office/drawing/2010/main" val="0"/>
+              </a:ext>
+            </a:extLst>
+          </a:blip>
+          <a:srcRect/>
+          <a:stretch>
+            <a:fillRect/>
+          </a:stretch>
+        </p:blipFill>
+        <p:spPr bwMode="auto">
+          <a:xfrm>
+            <a:off x="1797462" y="1828800"/>
+            <a:ext cx="7523927" cy="4351338"/>
+          </a:xfrm>
+          <a:prstGeom prst="rect">
+            <a:avLst/>
+          </a:prstGeom>
+          <a:noFill/>
+          <a:extLst>
+            <a:ext uri="{909E8E84-426E-40DD-AFC4-6F175D3DCCD1}">
+              <a14:hiddenFill xmlns:a14="http://schemas.microsoft.com/office/drawing/2010/main">
+                <a:solidFill>
+                  <a:srgbClr val="FFFFFF"/>
+                </a:solidFill>
+              </a14:hiddenFill>
+            </a:ext>
+          </a:extLst>
+        </p:spPr>
+      </p:pic>
     </p:spTree>
     <p:extLst>
       <p:ext uri="{BB962C8B-B14F-4D97-AF65-F5344CB8AC3E}">
@@ -6076,6 +6131,11 @@
   <p:clrMapOvr>
     <a:masterClrMapping/>
   </p:clrMapOvr>
+  <p:extLst>
+    <p:ext uri="{6950BFC3-D8DA-4A85-94F7-54DA5524770B}">
+      <p188:commentRel xmlns:p188="http://schemas.microsoft.com/office/powerpoint/2018/8/main" r:id="rId2"/>
+    </p:ext>
+  </p:extLst>
 </p:sld>
 </file>
 
